--- a/Pres/OOBrushUp.pptx
+++ b/Pres/OOBrushUp.pptx
@@ -315,7 +315,7 @@
           <a:p>
             <a:fld id="{E15B7D8E-2A20-4C0E-991C-872DBB7459A8}" type="datetimeFigureOut">
               <a:rPr lang="da-DK" smtClean="0"/>
-              <a:t>15-04-2018</a:t>
+              <a:t>16-04-2018</a:t>
             </a:fld>
             <a:endParaRPr lang="da-DK"/>
           </a:p>
@@ -485,7 +485,7 @@
           <a:p>
             <a:fld id="{E15B7D8E-2A20-4C0E-991C-872DBB7459A8}" type="datetimeFigureOut">
               <a:rPr lang="da-DK" smtClean="0"/>
-              <a:t>15-04-2018</a:t>
+              <a:t>16-04-2018</a:t>
             </a:fld>
             <a:endParaRPr lang="da-DK"/>
           </a:p>
@@ -665,7 +665,7 @@
           <a:p>
             <a:fld id="{E15B7D8E-2A20-4C0E-991C-872DBB7459A8}" type="datetimeFigureOut">
               <a:rPr lang="da-DK" smtClean="0"/>
-              <a:t>15-04-2018</a:t>
+              <a:t>16-04-2018</a:t>
             </a:fld>
             <a:endParaRPr lang="da-DK"/>
           </a:p>
@@ -835,7 +835,7 @@
           <a:p>
             <a:fld id="{E15B7D8E-2A20-4C0E-991C-872DBB7459A8}" type="datetimeFigureOut">
               <a:rPr lang="da-DK" smtClean="0"/>
-              <a:t>15-04-2018</a:t>
+              <a:t>16-04-2018</a:t>
             </a:fld>
             <a:endParaRPr lang="da-DK"/>
           </a:p>
@@ -1081,7 +1081,7 @@
           <a:p>
             <a:fld id="{E15B7D8E-2A20-4C0E-991C-872DBB7459A8}" type="datetimeFigureOut">
               <a:rPr lang="da-DK" smtClean="0"/>
-              <a:t>15-04-2018</a:t>
+              <a:t>16-04-2018</a:t>
             </a:fld>
             <a:endParaRPr lang="da-DK"/>
           </a:p>
@@ -1313,7 +1313,7 @@
           <a:p>
             <a:fld id="{E15B7D8E-2A20-4C0E-991C-872DBB7459A8}" type="datetimeFigureOut">
               <a:rPr lang="da-DK" smtClean="0"/>
-              <a:t>15-04-2018</a:t>
+              <a:t>16-04-2018</a:t>
             </a:fld>
             <a:endParaRPr lang="da-DK"/>
           </a:p>
@@ -1680,7 +1680,7 @@
           <a:p>
             <a:fld id="{E15B7D8E-2A20-4C0E-991C-872DBB7459A8}" type="datetimeFigureOut">
               <a:rPr lang="da-DK" smtClean="0"/>
-              <a:t>15-04-2018</a:t>
+              <a:t>16-04-2018</a:t>
             </a:fld>
             <a:endParaRPr lang="da-DK"/>
           </a:p>
@@ -1798,7 +1798,7 @@
           <a:p>
             <a:fld id="{E15B7D8E-2A20-4C0E-991C-872DBB7459A8}" type="datetimeFigureOut">
               <a:rPr lang="da-DK" smtClean="0"/>
-              <a:t>15-04-2018</a:t>
+              <a:t>16-04-2018</a:t>
             </a:fld>
             <a:endParaRPr lang="da-DK"/>
           </a:p>
@@ -1893,7 +1893,7 @@
           <a:p>
             <a:fld id="{E15B7D8E-2A20-4C0E-991C-872DBB7459A8}" type="datetimeFigureOut">
               <a:rPr lang="da-DK" smtClean="0"/>
-              <a:t>15-04-2018</a:t>
+              <a:t>16-04-2018</a:t>
             </a:fld>
             <a:endParaRPr lang="da-DK"/>
           </a:p>
@@ -2170,7 +2170,7 @@
           <a:p>
             <a:fld id="{E15B7D8E-2A20-4C0E-991C-872DBB7459A8}" type="datetimeFigureOut">
               <a:rPr lang="da-DK" smtClean="0"/>
-              <a:t>15-04-2018</a:t>
+              <a:t>16-04-2018</a:t>
             </a:fld>
             <a:endParaRPr lang="da-DK"/>
           </a:p>
@@ -2423,7 +2423,7 @@
           <a:p>
             <a:fld id="{E15B7D8E-2A20-4C0E-991C-872DBB7459A8}" type="datetimeFigureOut">
               <a:rPr lang="da-DK" smtClean="0"/>
-              <a:t>15-04-2018</a:t>
+              <a:t>16-04-2018</a:t>
             </a:fld>
             <a:endParaRPr lang="da-DK"/>
           </a:p>
@@ -2636,7 +2636,7 @@
           <a:p>
             <a:fld id="{E15B7D8E-2A20-4C0E-991C-872DBB7459A8}" type="datetimeFigureOut">
               <a:rPr lang="da-DK" smtClean="0"/>
-              <a:t>15-04-2018</a:t>
+              <a:t>16-04-2018</a:t>
             </a:fld>
             <a:endParaRPr lang="da-DK"/>
           </a:p>
@@ -3089,10 +3089,6 @@
               <a:rPr lang="en-US" sz="4800" smtClean="0"/>
               <a:t>Brush-up and C# syntax (focus on inheritance)</a:t>
             </a:r>
-            <a:r>
-              <a:rPr lang="en-US" sz="4800" smtClean="0"/>
-              <a:t/>
-            </a:r>
             <a:br>
               <a:rPr lang="en-US" sz="4800" smtClean="0"/>
             </a:br>
@@ -3597,13 +3593,13 @@
   <p:clrMapOvr>
     <a:masterClrMapping/>
   </p:clrMapOvr>
-  <mc:AlternateContent xmlns:mc="http://schemas.openxmlformats.org/markup-compatibility/2006">
-    <mc:Choice xmlns:p14="http://schemas.microsoft.com/office/powerpoint/2010/main" Requires="p14">
+  <mc:AlternateContent xmlns:mc="http://schemas.openxmlformats.org/markup-compatibility/2006" xmlns:p14="http://schemas.microsoft.com/office/powerpoint/2010/main">
+    <mc:Choice Requires="p14">
       <p:transition spd="med" p14:dur="700">
         <p:fade/>
       </p:transition>
     </mc:Choice>
-    <mc:Fallback>
+    <mc:Fallback xmlns="">
       <p:transition spd="med">
         <p:fade/>
       </p:transition>
@@ -3907,13 +3903,13 @@
   <p:clrMapOvr>
     <a:masterClrMapping/>
   </p:clrMapOvr>
-  <mc:AlternateContent xmlns:mc="http://schemas.openxmlformats.org/markup-compatibility/2006">
-    <mc:Choice xmlns:p14="http://schemas.microsoft.com/office/powerpoint/2010/main" Requires="p14">
+  <mc:AlternateContent xmlns:mc="http://schemas.openxmlformats.org/markup-compatibility/2006" xmlns:p14="http://schemas.microsoft.com/office/powerpoint/2010/main">
+    <mc:Choice Requires="p14">
       <p:transition spd="med" p14:dur="700">
         <p:fade/>
       </p:transition>
     </mc:Choice>
-    <mc:Fallback>
+    <mc:Fallback xmlns="">
       <p:transition spd="med">
         <p:fade/>
       </p:transition>
@@ -5150,13 +5146,13 @@
   <p:clrMapOvr>
     <a:masterClrMapping/>
   </p:clrMapOvr>
-  <mc:AlternateContent xmlns:mc="http://schemas.openxmlformats.org/markup-compatibility/2006">
-    <mc:Choice xmlns:p14="http://schemas.microsoft.com/office/powerpoint/2010/main" Requires="p14">
+  <mc:AlternateContent xmlns:mc="http://schemas.openxmlformats.org/markup-compatibility/2006" xmlns:p14="http://schemas.microsoft.com/office/powerpoint/2010/main">
+    <mc:Choice Requires="p14">
       <p:transition spd="med" p14:dur="700">
         <p:fade/>
       </p:transition>
     </mc:Choice>
-    <mc:Fallback>
+    <mc:Fallback xmlns="">
       <p:transition spd="med">
         <p:fade/>
       </p:transition>
@@ -5423,8 +5419,8 @@
         </p:nvSpPr>
         <p:spPr>
           <a:xfrm>
-            <a:off x="1998133" y="604611"/>
-            <a:ext cx="1578186" cy="628135"/>
+            <a:off x="2302933" y="604611"/>
+            <a:ext cx="975844" cy="628135"/>
           </a:xfrm>
           <a:prstGeom prst="roundRect">
             <a:avLst/>
@@ -5517,13 +5513,13 @@
   <p:clrMapOvr>
     <a:masterClrMapping/>
   </p:clrMapOvr>
-  <mc:AlternateContent xmlns:mc="http://schemas.openxmlformats.org/markup-compatibility/2006">
-    <mc:Choice xmlns:p14="http://schemas.microsoft.com/office/powerpoint/2010/main" Requires="p14">
+  <mc:AlternateContent xmlns:mc="http://schemas.openxmlformats.org/markup-compatibility/2006" xmlns:p14="http://schemas.microsoft.com/office/powerpoint/2010/main">
+    <mc:Choice Requires="p14">
       <p:transition spd="med" p14:dur="700">
         <p:fade/>
       </p:transition>
     </mc:Choice>
-    <mc:Fallback>
+    <mc:Fallback xmlns="">
       <p:transition spd="med">
         <p:fade/>
       </p:transition>
@@ -5791,7 +5787,7 @@
         <p:spPr>
           <a:xfrm>
             <a:off x="3224105" y="647036"/>
-            <a:ext cx="2594187" cy="628135"/>
+            <a:ext cx="2510489" cy="628135"/>
           </a:xfrm>
           <a:prstGeom prst="roundRect">
             <a:avLst/>
@@ -5876,13 +5872,13 @@
   <p:clrMapOvr>
     <a:masterClrMapping/>
   </p:clrMapOvr>
-  <mc:AlternateContent xmlns:mc="http://schemas.openxmlformats.org/markup-compatibility/2006">
-    <mc:Choice xmlns:p14="http://schemas.microsoft.com/office/powerpoint/2010/main" Requires="p14">
+  <mc:AlternateContent xmlns:mc="http://schemas.openxmlformats.org/markup-compatibility/2006" xmlns:p14="http://schemas.microsoft.com/office/powerpoint/2010/main">
+    <mc:Choice Requires="p14">
       <p:transition spd="med" p14:dur="700">
         <p:fade/>
       </p:transition>
     </mc:Choice>
-    <mc:Fallback>
+    <mc:Fallback xmlns="">
       <p:transition spd="med">
         <p:fade/>
       </p:transition>
@@ -6235,13 +6231,13 @@
   <p:clrMapOvr>
     <a:masterClrMapping/>
   </p:clrMapOvr>
-  <mc:AlternateContent xmlns:mc="http://schemas.openxmlformats.org/markup-compatibility/2006">
-    <mc:Choice xmlns:p14="http://schemas.microsoft.com/office/powerpoint/2010/main" Requires="p14">
+  <mc:AlternateContent xmlns:mc="http://schemas.openxmlformats.org/markup-compatibility/2006" xmlns:p14="http://schemas.microsoft.com/office/powerpoint/2010/main">
+    <mc:Choice Requires="p14">
       <p:transition spd="med" p14:dur="700">
         <p:fade/>
       </p:transition>
     </mc:Choice>
-    <mc:Fallback>
+    <mc:Fallback xmlns="">
       <p:transition spd="med">
         <p:fade/>
       </p:transition>
@@ -6661,13 +6657,13 @@
   <p:clrMapOvr>
     <a:masterClrMapping/>
   </p:clrMapOvr>
-  <mc:AlternateContent xmlns:mc="http://schemas.openxmlformats.org/markup-compatibility/2006">
-    <mc:Choice xmlns:p14="http://schemas.microsoft.com/office/powerpoint/2010/main" Requires="p14">
+  <mc:AlternateContent xmlns:mc="http://schemas.openxmlformats.org/markup-compatibility/2006" xmlns:p14="http://schemas.microsoft.com/office/powerpoint/2010/main">
+    <mc:Choice Requires="p14">
       <p:transition spd="med" p14:dur="700">
         <p:fade/>
       </p:transition>
     </mc:Choice>
-    <mc:Fallback>
+    <mc:Fallback xmlns="">
       <p:transition spd="med">
         <p:fade/>
       </p:transition>
@@ -7167,23 +7163,8 @@
               <a:rPr lang="da-DK" sz="2800" b="1" smtClean="0">
                 <a:latin typeface="Consolas" panose="020B0609020204030204" pitchFamily="49" charset="0"/>
               </a:rPr>
-              <a:t>_</a:t>
-            </a:r>
-            <a:r>
-              <a:rPr lang="da-DK" sz="2800" b="1" smtClean="0">
-                <a:latin typeface="Consolas" panose="020B0609020204030204" pitchFamily="49" charset="0"/>
-              </a:rPr>
-              <a:t>licensePlate</a:t>
-            </a:r>
-            <a:r>
-              <a:rPr lang="da-DK" sz="2800" b="1" smtClean="0">
-                <a:latin typeface="Consolas" panose="020B0609020204030204" pitchFamily="49" charset="0"/>
-              </a:rPr>
-              <a:t>;</a:t>
-            </a:r>
-            <a:endParaRPr lang="da-DK" sz="2800" b="1" smtClean="0">
-              <a:latin typeface="Consolas" panose="020B0609020204030204" pitchFamily="49" charset="0"/>
-            </a:endParaRPr>
+              <a:t>_licensePlate;</a:t>
+            </a:r>
           </a:p>
           <a:p>
             <a:r>
@@ -7423,47 +7404,23 @@
               <a:rPr lang="da-DK" sz="2800" b="1" smtClean="0">
                 <a:latin typeface="Consolas" panose="020B0609020204030204" pitchFamily="49" charset="0"/>
               </a:rPr>
-              <a:t>licensePlate</a:t>
-            </a:r>
+              <a:t>licensePlate, …)</a:t>
+            </a:r>
+          </a:p>
+          <a:p>
             <a:r>
               <a:rPr lang="da-DK" sz="2800" b="1" smtClean="0">
                 <a:latin typeface="Consolas" panose="020B0609020204030204" pitchFamily="49" charset="0"/>
               </a:rPr>
-              <a:t>, </a:t>
-            </a:r>
+              <a:t>{</a:t>
+            </a:r>
+          </a:p>
+          <a:p>
             <a:r>
               <a:rPr lang="da-DK" sz="2800" b="1" smtClean="0">
                 <a:latin typeface="Consolas" panose="020B0609020204030204" pitchFamily="49" charset="0"/>
               </a:rPr>
-              <a:t>…)</a:t>
-            </a:r>
-          </a:p>
-          <a:p>
-            <a:r>
-              <a:rPr lang="da-DK" sz="2800" b="1" smtClean="0">
-                <a:latin typeface="Consolas" panose="020B0609020204030204" pitchFamily="49" charset="0"/>
-              </a:rPr>
-              <a:t>{</a:t>
-            </a:r>
-          </a:p>
-          <a:p>
-            <a:r>
-              <a:rPr lang="da-DK" sz="2800" b="1" smtClean="0">
-                <a:latin typeface="Consolas" panose="020B0609020204030204" pitchFamily="49" charset="0"/>
-              </a:rPr>
-              <a:t>    </a:t>
-            </a:r>
-            <a:r>
-              <a:rPr lang="da-DK" sz="2800" b="1" smtClean="0">
-                <a:latin typeface="Consolas" panose="020B0609020204030204" pitchFamily="49" charset="0"/>
-              </a:rPr>
-              <a:t>_licensePlate </a:t>
-            </a:r>
-            <a:r>
-              <a:rPr lang="da-DK" sz="2800" b="1" smtClean="0">
-                <a:latin typeface="Consolas" panose="020B0609020204030204" pitchFamily="49" charset="0"/>
-              </a:rPr>
-              <a:t>= </a:t>
+              <a:t>    _licensePlate = </a:t>
             </a:r>
             <a:r>
               <a:rPr lang="da-DK" sz="2800" b="1">
@@ -8767,14 +8724,12 @@
       <p:cxnSp>
         <p:nvCxnSpPr>
           <p:cNvPr id="11" name="Lige pilforbindelse 10"/>
-          <p:cNvCxnSpPr>
-            <a:stCxn id="10" idx="0"/>
-          </p:cNvCxnSpPr>
+          <p:cNvCxnSpPr/>
           <p:nvPr/>
         </p:nvCxnSpPr>
         <p:spPr>
           <a:xfrm flipV="1">
-            <a:off x="5804078" y="2027320"/>
+            <a:off x="5804078" y="2040383"/>
             <a:ext cx="0" cy="1588169"/>
           </a:xfrm>
           <a:prstGeom prst="straightConnector1">
@@ -11670,13 +11625,13 @@
         <p:nvCxnSpPr>
           <p:cNvPr id="11" name="Lige pilforbindelse 10"/>
           <p:cNvCxnSpPr>
-            <a:stCxn id="4" idx="1"/>
-            <a:endCxn id="13" idx="3"/>
+            <a:stCxn id="13" idx="3"/>
+            <a:endCxn id="4" idx="1"/>
           </p:cNvCxnSpPr>
           <p:nvPr/>
         </p:nvCxnSpPr>
         <p:spPr>
-          <a:xfrm flipH="1" flipV="1">
+          <a:xfrm>
             <a:off x="3522842" y="1847476"/>
             <a:ext cx="2421290" cy="1"/>
           </a:xfrm>
@@ -11685,11 +11640,13 @@
           </a:prstGeom>
           <a:ln w="76200">
             <a:solidFill>
-              <a:schemeClr val="tx1"/>
+              <a:schemeClr val="bg1">
+                <a:lumMod val="50000"/>
+              </a:schemeClr>
             </a:solidFill>
             <a:prstDash val="sysDot"/>
-            <a:headEnd type="arrow" w="lg" len="lg"/>
-            <a:tailEnd type="none" w="lg" len="lg"/>
+            <a:headEnd w="lg" len="lg"/>
+            <a:tailEnd type="arrow" w="lg" len="lg"/>
           </a:ln>
         </p:spPr>
         <p:style>
@@ -12159,47 +12116,6 @@
       </p:sp>
       <p:cxnSp>
         <p:nvCxnSpPr>
-          <p:cNvPr id="11" name="Lige pilforbindelse 10"/>
-          <p:cNvCxnSpPr>
-            <a:stCxn id="4" idx="1"/>
-            <a:endCxn id="13" idx="3"/>
-          </p:cNvCxnSpPr>
-          <p:nvPr/>
-        </p:nvCxnSpPr>
-        <p:spPr>
-          <a:xfrm flipH="1" flipV="1">
-            <a:off x="3522842" y="1847476"/>
-            <a:ext cx="2421290" cy="1"/>
-          </a:xfrm>
-          <a:prstGeom prst="straightConnector1">
-            <a:avLst/>
-          </a:prstGeom>
-          <a:ln w="76200">
-            <a:solidFill>
-              <a:schemeClr val="tx1"/>
-            </a:solidFill>
-            <a:prstDash val="sysDot"/>
-            <a:headEnd type="arrow" w="lg" len="lg"/>
-            <a:tailEnd type="none" w="lg" len="lg"/>
-          </a:ln>
-        </p:spPr>
-        <p:style>
-          <a:lnRef idx="1">
-            <a:schemeClr val="accent1"/>
-          </a:lnRef>
-          <a:fillRef idx="0">
-            <a:schemeClr val="accent1"/>
-          </a:fillRef>
-          <a:effectRef idx="0">
-            <a:schemeClr val="accent1"/>
-          </a:effectRef>
-          <a:fontRef idx="minor">
-            <a:schemeClr val="tx1"/>
-          </a:fontRef>
-        </p:style>
-      </p:cxnSp>
-      <p:cxnSp>
-        <p:nvCxnSpPr>
           <p:cNvPr id="17" name="Lige pilforbindelse 16"/>
           <p:cNvCxnSpPr>
             <a:stCxn id="10" idx="0"/>
@@ -12420,6 +12336,46 @@
           </a:extLst>
         </p:spPr>
       </p:pic>
+      <p:cxnSp>
+        <p:nvCxnSpPr>
+          <p:cNvPr id="13" name="Lige pilforbindelse 12"/>
+          <p:cNvCxnSpPr/>
+          <p:nvPr/>
+        </p:nvCxnSpPr>
+        <p:spPr>
+          <a:xfrm>
+            <a:off x="3522842" y="1847476"/>
+            <a:ext cx="2421290" cy="1"/>
+          </a:xfrm>
+          <a:prstGeom prst="straightConnector1">
+            <a:avLst/>
+          </a:prstGeom>
+          <a:ln w="76200">
+            <a:solidFill>
+              <a:schemeClr val="bg1">
+                <a:lumMod val="50000"/>
+              </a:schemeClr>
+            </a:solidFill>
+            <a:prstDash val="sysDot"/>
+            <a:headEnd w="lg" len="lg"/>
+            <a:tailEnd type="arrow" w="lg" len="lg"/>
+          </a:ln>
+        </p:spPr>
+        <p:style>
+          <a:lnRef idx="1">
+            <a:schemeClr val="accent1"/>
+          </a:lnRef>
+          <a:fillRef idx="0">
+            <a:schemeClr val="accent1"/>
+          </a:fillRef>
+          <a:effectRef idx="0">
+            <a:schemeClr val="accent1"/>
+          </a:effectRef>
+          <a:fontRef idx="minor">
+            <a:schemeClr val="tx1"/>
+          </a:fontRef>
+        </p:style>
+      </p:cxnSp>
     </p:spTree>
     <p:extLst>
       <p:ext uri="{BB962C8B-B14F-4D97-AF65-F5344CB8AC3E}">
@@ -13021,47 +12977,6 @@
       </p:sp>
       <p:cxnSp>
         <p:nvCxnSpPr>
-          <p:cNvPr id="11" name="Lige pilforbindelse 10"/>
-          <p:cNvCxnSpPr>
-            <a:stCxn id="4" idx="1"/>
-            <a:endCxn id="13" idx="3"/>
-          </p:cNvCxnSpPr>
-          <p:nvPr/>
-        </p:nvCxnSpPr>
-        <p:spPr>
-          <a:xfrm flipH="1" flipV="1">
-            <a:off x="3522842" y="1847476"/>
-            <a:ext cx="2421290" cy="1"/>
-          </a:xfrm>
-          <a:prstGeom prst="straightConnector1">
-            <a:avLst/>
-          </a:prstGeom>
-          <a:ln w="76200">
-            <a:solidFill>
-              <a:schemeClr val="tx1"/>
-            </a:solidFill>
-            <a:prstDash val="sysDot"/>
-            <a:headEnd type="arrow" w="lg" len="lg"/>
-            <a:tailEnd type="none" w="lg" len="lg"/>
-          </a:ln>
-        </p:spPr>
-        <p:style>
-          <a:lnRef idx="1">
-            <a:schemeClr val="accent1"/>
-          </a:lnRef>
-          <a:fillRef idx="0">
-            <a:schemeClr val="accent1"/>
-          </a:fillRef>
-          <a:effectRef idx="0">
-            <a:schemeClr val="accent1"/>
-          </a:effectRef>
-          <a:fontRef idx="minor">
-            <a:schemeClr val="tx1"/>
-          </a:fontRef>
-        </p:style>
-      </p:cxnSp>
-      <p:cxnSp>
-        <p:nvCxnSpPr>
           <p:cNvPr id="17" name="Lige pilforbindelse 16"/>
           <p:cNvCxnSpPr>
             <a:stCxn id="10" idx="0"/>
@@ -13241,6 +13156,46 @@
           </a:extLst>
         </p:spPr>
       </p:pic>
+      <p:cxnSp>
+        <p:nvCxnSpPr>
+          <p:cNvPr id="10" name="Lige pilforbindelse 9"/>
+          <p:cNvCxnSpPr/>
+          <p:nvPr/>
+        </p:nvCxnSpPr>
+        <p:spPr>
+          <a:xfrm>
+            <a:off x="3522842" y="1847476"/>
+            <a:ext cx="2421290" cy="1"/>
+          </a:xfrm>
+          <a:prstGeom prst="straightConnector1">
+            <a:avLst/>
+          </a:prstGeom>
+          <a:ln w="76200">
+            <a:solidFill>
+              <a:schemeClr val="bg1">
+                <a:lumMod val="50000"/>
+              </a:schemeClr>
+            </a:solidFill>
+            <a:prstDash val="sysDot"/>
+            <a:headEnd w="lg" len="lg"/>
+            <a:tailEnd type="arrow" w="lg" len="lg"/>
+          </a:ln>
+        </p:spPr>
+        <p:style>
+          <a:lnRef idx="1">
+            <a:schemeClr val="accent1"/>
+          </a:lnRef>
+          <a:fillRef idx="0">
+            <a:schemeClr val="accent1"/>
+          </a:fillRef>
+          <a:effectRef idx="0">
+            <a:schemeClr val="accent1"/>
+          </a:effectRef>
+          <a:fontRef idx="minor">
+            <a:schemeClr val="tx1"/>
+          </a:fontRef>
+        </p:style>
+      </p:cxnSp>
     </p:spTree>
     <p:extLst>
       <p:ext uri="{BB962C8B-B14F-4D97-AF65-F5344CB8AC3E}">
@@ -14780,8 +14735,9 @@
             <a:solidFill>
               <a:srgbClr val="FFC000"/>
             </a:solidFill>
+            <a:prstDash val="dash"/>
             <a:headEnd type="none" w="lg" len="lg"/>
-            <a:tailEnd type="triangle" w="lg" len="lg"/>
+            <a:tailEnd type="stealth" w="lg" len="lg"/>
           </a:ln>
         </p:spPr>
         <p:style>
@@ -14975,8 +14931,9 @@
             <a:solidFill>
               <a:srgbClr val="C00000"/>
             </a:solidFill>
+            <a:prstDash val="dash"/>
             <a:headEnd type="none" w="lg" len="lg"/>
-            <a:tailEnd type="triangle" w="lg" len="lg"/>
+            <a:tailEnd type="stealth" w="lg" len="lg"/>
           </a:ln>
         </p:spPr>
         <p:style>
@@ -16525,68 +16482,47 @@
           </a:p>
         </p:txBody>
       </p:sp>
-      <p:sp>
-        <p:nvSpPr>
-          <p:cNvPr id="16" name="Ellipse 15"/>
-          <p:cNvSpPr/>
+      <p:pic>
+        <p:nvPicPr>
+          <p:cNvPr id="17" name="Picture 2" descr="Billedresultat for question mark icon"/>
+          <p:cNvPicPr>
+            <a:picLocks noChangeAspect="1" noChangeArrowheads="1"/>
+          </p:cNvPicPr>
           <p:nvPr/>
-        </p:nvSpPr>
-        <p:spPr>
+        </p:nvPicPr>
+        <p:blipFill>
+          <a:blip r:embed="rId3" cstate="print">
+            <a:extLst>
+              <a:ext uri="{28A0092B-C50C-407E-A947-70E740481C1C}">
+                <a14:useLocalDpi xmlns:a14="http://schemas.microsoft.com/office/drawing/2010/main" val="0"/>
+              </a:ext>
+            </a:extLst>
+          </a:blip>
+          <a:srcRect/>
+          <a:stretch>
+            <a:fillRect/>
+          </a:stretch>
+        </p:blipFill>
+        <p:spPr bwMode="auto">
           <a:xfrm>
-            <a:off x="4980855" y="1750842"/>
+            <a:off x="4987983" y="1767454"/>
             <a:ext cx="2880000" cy="2880000"/>
           </a:xfrm>
-          <a:prstGeom prst="ellipse">
+          <a:prstGeom prst="rect">
             <a:avLst/>
           </a:prstGeom>
-          <a:solidFill>
-            <a:schemeClr val="bg1"/>
-          </a:solidFill>
-          <a:ln>
-            <a:solidFill>
-              <a:schemeClr val="accent6">
-                <a:lumMod val="50000"/>
-              </a:schemeClr>
-            </a:solidFill>
-          </a:ln>
+          <a:noFill/>
+          <a:extLst>
+            <a:ext uri="{909E8E84-426E-40DD-AFC4-6F175D3DCCD1}">
+              <a14:hiddenFill xmlns:a14="http://schemas.microsoft.com/office/drawing/2010/main">
+                <a:solidFill>
+                  <a:srgbClr val="FFFFFF"/>
+                </a:solidFill>
+              </a14:hiddenFill>
+            </a:ext>
+          </a:extLst>
         </p:spPr>
-        <p:style>
-          <a:lnRef idx="2">
-            <a:schemeClr val="accent1">
-              <a:shade val="50000"/>
-            </a:schemeClr>
-          </a:lnRef>
-          <a:fillRef idx="1">
-            <a:schemeClr val="accent1"/>
-          </a:fillRef>
-          <a:effectRef idx="0">
-            <a:schemeClr val="accent1"/>
-          </a:effectRef>
-          <a:fontRef idx="minor">
-            <a:schemeClr val="lt1"/>
-          </a:fontRef>
-        </p:style>
-        <p:txBody>
-          <a:bodyPr rtlCol="0" anchor="ctr"/>
-          <a:lstStyle/>
-          <a:p>
-            <a:pPr algn="ctr"/>
-            <a:r>
-              <a:rPr lang="da-DK" sz="19200" smtClean="0">
-                <a:solidFill>
-                  <a:srgbClr val="00B050"/>
-                </a:solidFill>
-              </a:rPr>
-              <a:t>?</a:t>
-            </a:r>
-            <a:endParaRPr lang="da-DK" sz="19200">
-              <a:solidFill>
-                <a:srgbClr val="00B050"/>
-              </a:solidFill>
-            </a:endParaRPr>
-          </a:p>
-        </p:txBody>
-      </p:sp>
+      </p:pic>
     </p:spTree>
     <p:extLst>
       <p:ext uri="{BB962C8B-B14F-4D97-AF65-F5344CB8AC3E}">
@@ -16894,7 +16830,7 @@
                             </p:stCondLst>
                             <p:childTnLst>
                               <p:par>
-                                <p:cTn id="29" presetID="10" presetClass="entr" presetSubtype="0" fill="hold" grpId="0" nodeType="afterEffect">
+                                <p:cTn id="29" presetID="10" presetClass="entr" presetSubtype="0" fill="hold" nodeType="afterEffect">
                                   <p:stCondLst>
                                     <p:cond delay="5000"/>
                                   </p:stCondLst>
@@ -16907,7 +16843,7 @@
                                           </p:stCondLst>
                                         </p:cTn>
                                         <p:tgtEl>
-                                          <p:spTgt spid="16"/>
+                                          <p:spTgt spid="17"/>
                                         </p:tgtEl>
                                         <p:attrNameLst>
                                           <p:attrName>style.visibility</p:attrName>
@@ -16921,7 +16857,7 @@
                                       <p:cBhvr>
                                         <p:cTn id="31" dur="500"/>
                                         <p:tgtEl>
-                                          <p:spTgt spid="16"/>
+                                          <p:spTgt spid="17"/>
                                         </p:tgtEl>
                                       </p:cBhvr>
                                     </p:animEffect>
@@ -17015,7 +16951,6 @@
       <p:bldP spid="13" grpId="0" animBg="1"/>
       <p:bldP spid="14" grpId="0" animBg="1"/>
       <p:bldP spid="15" grpId="0" animBg="1"/>
-      <p:bldP spid="16" grpId="0" animBg="1"/>
     </p:bldLst>
   </p:timing>
 </p:sld>
@@ -17115,16 +17050,7 @@
                 </a:solidFill>
                 <a:latin typeface="Consolas" panose="020B0609020204030204" pitchFamily="49" charset="0"/>
               </a:rPr>
-              <a:t>public </a:t>
-            </a:r>
-            <a:r>
-              <a:rPr lang="en-US" sz="2400" b="1" smtClean="0">
-                <a:solidFill>
-                  <a:srgbClr val="0070C0"/>
-                </a:solidFill>
-                <a:latin typeface="Consolas" panose="020B0609020204030204" pitchFamily="49" charset="0"/>
-              </a:rPr>
-              <a:t>void </a:t>
+              <a:t>public void </a:t>
             </a:r>
             <a:r>
               <a:rPr lang="en-US" sz="2400" b="1" smtClean="0">
@@ -18338,13 +18264,13 @@
   <p:clrMapOvr>
     <a:masterClrMapping/>
   </p:clrMapOvr>
-  <mc:AlternateContent xmlns:mc="http://schemas.openxmlformats.org/markup-compatibility/2006">
-    <mc:Choice xmlns:p14="http://schemas.microsoft.com/office/powerpoint/2010/main" Requires="p14">
+  <mc:AlternateContent xmlns:mc="http://schemas.openxmlformats.org/markup-compatibility/2006" xmlns:p14="http://schemas.microsoft.com/office/powerpoint/2010/main">
+    <mc:Choice Requires="p14">
       <p:transition spd="med" p14:dur="700">
         <p:fade/>
       </p:transition>
     </mc:Choice>
-    <mc:Fallback>
+    <mc:Fallback xmlns="">
       <p:transition spd="med">
         <p:fade/>
       </p:transition>
@@ -21930,7 +21856,6 @@
               <a:rPr lang="da-DK" sz="2000" smtClean="0"/>
               <a:t>Duck</a:t>
             </a:r>
-            <a:endParaRPr lang="da-DK" sz="2000" smtClean="0"/>
           </a:p>
         </p:txBody>
       </p:sp>
@@ -24568,15 +24493,7 @@
                       </a:r>
                       <a:r>
                         <a:rPr lang="da-DK" sz="1800" b="1" smtClean="0"/>
-                        <a:t> </a:t>
-                      </a:r>
-                      <a:r>
-                        <a:rPr lang="da-DK" sz="1800" b="1" smtClean="0"/>
-                        <a:t>of base </a:t>
-                      </a:r>
-                      <a:r>
-                        <a:rPr lang="da-DK" sz="1800" b="1" smtClean="0"/>
-                        <a:t>class type?</a:t>
+                        <a:t> of base class type?</a:t>
                       </a:r>
                       <a:endParaRPr lang="da-DK" sz="1800" b="1"/>
                     </a:p>
@@ -27422,11 +27339,7 @@
           <a:p>
             <a:r>
               <a:rPr lang="da-DK" sz="3200" smtClean="0"/>
-              <a:t>Naming convention: start with _ (underscore), followed by </a:t>
-            </a:r>
-            <a:r>
-              <a:rPr lang="da-DK" sz="3200" smtClean="0"/>
-              <a:t>camelCase  (e.g. </a:t>
+              <a:t>Naming convention: start with _ (underscore), followed by camelCase  (e.g. </a:t>
             </a:r>
             <a:r>
               <a:rPr lang="da-DK" sz="3200" b="1" smtClean="0"/>
@@ -27853,13 +27766,13 @@
   <p:clrMapOvr>
     <a:masterClrMapping/>
   </p:clrMapOvr>
-  <mc:AlternateContent xmlns:mc="http://schemas.openxmlformats.org/markup-compatibility/2006">
-    <mc:Choice xmlns:p14="http://schemas.microsoft.com/office/powerpoint/2010/main" Requires="p14">
+  <mc:AlternateContent xmlns:mc="http://schemas.openxmlformats.org/markup-compatibility/2006" xmlns:p14="http://schemas.microsoft.com/office/powerpoint/2010/main">
+    <mc:Choice Requires="p14">
       <p:transition spd="med" p14:dur="700">
         <p:fade/>
       </p:transition>
     </mc:Choice>
-    <mc:Fallback>
+    <mc:Fallback xmlns="">
       <p:transition spd="med">
         <p:fade/>
       </p:transition>
@@ -28088,13 +28001,13 @@
   <p:clrMapOvr>
     <a:masterClrMapping/>
   </p:clrMapOvr>
-  <mc:AlternateContent xmlns:mc="http://schemas.openxmlformats.org/markup-compatibility/2006">
-    <mc:Choice xmlns:p14="http://schemas.microsoft.com/office/powerpoint/2010/main" Requires="p14">
+  <mc:AlternateContent xmlns:mc="http://schemas.openxmlformats.org/markup-compatibility/2006" xmlns:p14="http://schemas.microsoft.com/office/powerpoint/2010/main">
+    <mc:Choice Requires="p14">
       <p:transition spd="med" p14:dur="700">
         <p:fade/>
       </p:transition>
     </mc:Choice>
-    <mc:Fallback>
+    <mc:Fallback xmlns="">
       <p:transition spd="med">
         <p:fade/>
       </p:transition>
@@ -28483,15 +28396,7 @@
           <a:p>
             <a:r>
               <a:rPr lang="da-DK" sz="3200" smtClean="0"/>
-              <a:t>Naming </a:t>
-            </a:r>
-            <a:r>
-              <a:rPr lang="da-DK" sz="3200" smtClean="0"/>
-              <a:t>convention: start with CAPITAL </a:t>
-            </a:r>
-            <a:r>
-              <a:rPr lang="da-DK" sz="3200" smtClean="0"/>
-              <a:t>LETTER (e.g. </a:t>
+              <a:t>Naming convention: start with CAPITAL LETTER (e.g. </a:t>
             </a:r>
             <a:r>
               <a:rPr lang="da-DK" sz="3200" b="1" smtClean="0"/>

--- a/Pres/OOBrushUp.pptx
+++ b/Pres/OOBrushUp.pptx
@@ -3977,7 +3977,18 @@
               <a:rPr lang="da-DK" b="1" smtClean="0">
                 <a:latin typeface="Consolas" panose="020B0609020204030204" pitchFamily="49" charset="0"/>
               </a:rPr>
-              <a:t> Car</a:t>
+              <a:t> </a:t>
+            </a:r>
+            <a:r>
+              <a:rPr lang="da-DK" b="1" smtClean="0">
+                <a:solidFill>
+                  <a:schemeClr val="accent6">
+                    <a:lumMod val="75000"/>
+                  </a:schemeClr>
+                </a:solidFill>
+                <a:latin typeface="Consolas" panose="020B0609020204030204" pitchFamily="49" charset="0"/>
+              </a:rPr>
+              <a:t>Car</a:t>
             </a:r>
           </a:p>
           <a:p>
@@ -22875,7 +22886,18 @@
               <a:rPr lang="da-DK" sz="4800" b="1" smtClean="0">
                 <a:latin typeface="Consolas" panose="020B0609020204030204" pitchFamily="49" charset="0"/>
               </a:rPr>
-              <a:t> Car</a:t>
+              <a:t> </a:t>
+            </a:r>
+            <a:r>
+              <a:rPr lang="da-DK" sz="4800" b="1" smtClean="0">
+                <a:solidFill>
+                  <a:schemeClr val="accent6">
+                    <a:lumMod val="75000"/>
+                  </a:schemeClr>
+                </a:solidFill>
+                <a:latin typeface="Consolas" panose="020B0609020204030204" pitchFamily="49" charset="0"/>
+              </a:rPr>
+              <a:t>Car</a:t>
             </a:r>
           </a:p>
           <a:p>
@@ -23390,8 +23412,8 @@
         </p:nvSpPr>
         <p:spPr>
           <a:xfrm>
-            <a:off x="1443789" y="2506662"/>
-            <a:ext cx="9499484" cy="1622426"/>
+            <a:off x="1443788" y="2506662"/>
+            <a:ext cx="9685765" cy="1622426"/>
           </a:xfrm>
         </p:spPr>
         <p:txBody>
@@ -28153,7 +28175,18 @@
               <a:rPr lang="da-DK" sz="2800" b="1" smtClean="0">
                 <a:latin typeface="Consolas" panose="020B0609020204030204" pitchFamily="49" charset="0"/>
               </a:rPr>
-              <a:t> Car</a:t>
+              <a:t> </a:t>
+            </a:r>
+            <a:r>
+              <a:rPr lang="da-DK" sz="2800" b="1" smtClean="0">
+                <a:solidFill>
+                  <a:schemeClr val="accent6">
+                    <a:lumMod val="75000"/>
+                  </a:schemeClr>
+                </a:solidFill>
+                <a:latin typeface="Consolas" panose="020B0609020204030204" pitchFamily="49" charset="0"/>
+              </a:rPr>
+              <a:t>Car</a:t>
             </a:r>
           </a:p>
           <a:p>
